--- a/演示文稿1.pptx
+++ b/演示文稿1.pptx
@@ -259,7 +259,7 @@
           <a:p>
             <a:fld id="{22F1C828-ACC6-49C3-AE0D-4937DF427169}" type="datetimeFigureOut">
               <a:rPr lang="zh-CN" altLang="en-US" smtClean="0"/>
-              <a:t>2024/10/15</a:t>
+              <a:t>2024/10/18</a:t>
             </a:fld>
             <a:endParaRPr lang="zh-CN" altLang="en-US"/>
           </a:p>
@@ -457,7 +457,7 @@
           <a:p>
             <a:fld id="{22F1C828-ACC6-49C3-AE0D-4937DF427169}" type="datetimeFigureOut">
               <a:rPr lang="zh-CN" altLang="en-US" smtClean="0"/>
-              <a:t>2024/10/15</a:t>
+              <a:t>2024/10/18</a:t>
             </a:fld>
             <a:endParaRPr lang="zh-CN" altLang="en-US"/>
           </a:p>
@@ -665,7 +665,7 @@
           <a:p>
             <a:fld id="{22F1C828-ACC6-49C3-AE0D-4937DF427169}" type="datetimeFigureOut">
               <a:rPr lang="zh-CN" altLang="en-US" smtClean="0"/>
-              <a:t>2024/10/15</a:t>
+              <a:t>2024/10/18</a:t>
             </a:fld>
             <a:endParaRPr lang="zh-CN" altLang="en-US"/>
           </a:p>
@@ -863,7 +863,7 @@
           <a:p>
             <a:fld id="{22F1C828-ACC6-49C3-AE0D-4937DF427169}" type="datetimeFigureOut">
               <a:rPr lang="zh-CN" altLang="en-US" smtClean="0"/>
-              <a:t>2024/10/15</a:t>
+              <a:t>2024/10/18</a:t>
             </a:fld>
             <a:endParaRPr lang="zh-CN" altLang="en-US"/>
           </a:p>
@@ -1138,7 +1138,7 @@
           <a:p>
             <a:fld id="{22F1C828-ACC6-49C3-AE0D-4937DF427169}" type="datetimeFigureOut">
               <a:rPr lang="zh-CN" altLang="en-US" smtClean="0"/>
-              <a:t>2024/10/15</a:t>
+              <a:t>2024/10/18</a:t>
             </a:fld>
             <a:endParaRPr lang="zh-CN" altLang="en-US"/>
           </a:p>
@@ -1403,7 +1403,7 @@
           <a:p>
             <a:fld id="{22F1C828-ACC6-49C3-AE0D-4937DF427169}" type="datetimeFigureOut">
               <a:rPr lang="zh-CN" altLang="en-US" smtClean="0"/>
-              <a:t>2024/10/15</a:t>
+              <a:t>2024/10/18</a:t>
             </a:fld>
             <a:endParaRPr lang="zh-CN" altLang="en-US"/>
           </a:p>
@@ -1815,7 +1815,7 @@
           <a:p>
             <a:fld id="{22F1C828-ACC6-49C3-AE0D-4937DF427169}" type="datetimeFigureOut">
               <a:rPr lang="zh-CN" altLang="en-US" smtClean="0"/>
-              <a:t>2024/10/15</a:t>
+              <a:t>2024/10/18</a:t>
             </a:fld>
             <a:endParaRPr lang="zh-CN" altLang="en-US"/>
           </a:p>
@@ -1956,7 +1956,7 @@
           <a:p>
             <a:fld id="{22F1C828-ACC6-49C3-AE0D-4937DF427169}" type="datetimeFigureOut">
               <a:rPr lang="zh-CN" altLang="en-US" smtClean="0"/>
-              <a:t>2024/10/15</a:t>
+              <a:t>2024/10/18</a:t>
             </a:fld>
             <a:endParaRPr lang="zh-CN" altLang="en-US"/>
           </a:p>
@@ -2069,7 +2069,7 @@
           <a:p>
             <a:fld id="{22F1C828-ACC6-49C3-AE0D-4937DF427169}" type="datetimeFigureOut">
               <a:rPr lang="zh-CN" altLang="en-US" smtClean="0"/>
-              <a:t>2024/10/15</a:t>
+              <a:t>2024/10/18</a:t>
             </a:fld>
             <a:endParaRPr lang="zh-CN" altLang="en-US"/>
           </a:p>
@@ -2380,7 +2380,7 @@
           <a:p>
             <a:fld id="{22F1C828-ACC6-49C3-AE0D-4937DF427169}" type="datetimeFigureOut">
               <a:rPr lang="zh-CN" altLang="en-US" smtClean="0"/>
-              <a:t>2024/10/15</a:t>
+              <a:t>2024/10/18</a:t>
             </a:fld>
             <a:endParaRPr lang="zh-CN" altLang="en-US"/>
           </a:p>
@@ -2668,7 +2668,7 @@
           <a:p>
             <a:fld id="{22F1C828-ACC6-49C3-AE0D-4937DF427169}" type="datetimeFigureOut">
               <a:rPr lang="zh-CN" altLang="en-US" smtClean="0"/>
-              <a:t>2024/10/15</a:t>
+              <a:t>2024/10/18</a:t>
             </a:fld>
             <a:endParaRPr lang="zh-CN" altLang="en-US"/>
           </a:p>
@@ -2909,7 +2909,7 @@
           <a:p>
             <a:fld id="{22F1C828-ACC6-49C3-AE0D-4937DF427169}" type="datetimeFigureOut">
               <a:rPr lang="zh-CN" altLang="en-US" smtClean="0"/>
-              <a:t>2024/10/15</a:t>
+              <a:t>2024/10/18</a:t>
             </a:fld>
             <a:endParaRPr lang="zh-CN" altLang="en-US"/>
           </a:p>
@@ -3615,7 +3615,7 @@
                     </a:outerShdw>
                   </a:effectLst>
                 </a:rPr>
-                <a:t>计 算 结 果 查 询</a:t>
+                <a:t>流 体 传 热 仿 真</a:t>
               </a:r>
             </a:p>
           </p:txBody>
@@ -3980,42 +3980,6 @@
           </p:spPr>
         </p:pic>
       </p:grpSp>
-      <p:pic>
-        <p:nvPicPr>
-          <p:cNvPr id="27" name="图片 26">
-            <a:extLst>
-              <a:ext uri="{FF2B5EF4-FFF2-40B4-BE49-F238E27FC236}">
-                <a16:creationId xmlns:a16="http://schemas.microsoft.com/office/drawing/2014/main" id="{016F2DB2-F1A7-44E8-9144-0CC8DD76269E}"/>
-              </a:ext>
-            </a:extLst>
-          </p:cNvPr>
-          <p:cNvPicPr>
-            <a:picLocks noChangeAspect="1"/>
-          </p:cNvPicPr>
-          <p:nvPr/>
-        </p:nvPicPr>
-        <p:blipFill>
-          <a:blip r:embed="rId7">
-            <a:extLst>
-              <a:ext uri="{28A0092B-C50C-407E-A947-70E740481C1C}">
-                <a14:useLocalDpi xmlns:a14="http://schemas.microsoft.com/office/drawing/2010/main" val="0"/>
-              </a:ext>
-            </a:extLst>
-          </a:blip>
-          <a:stretch>
-            <a:fillRect/>
-          </a:stretch>
-        </p:blipFill>
-        <p:spPr>
-          <a:xfrm>
-            <a:off x="1488758" y="1454385"/>
-            <a:ext cx="3991318" cy="2343947"/>
-          </a:xfrm>
-          <a:prstGeom prst="rect">
-            <a:avLst/>
-          </a:prstGeom>
-        </p:spPr>
-      </p:pic>
     </p:spTree>
     <p:extLst>
       <p:ext uri="{BB962C8B-B14F-4D97-AF65-F5344CB8AC3E}">
